--- a/Computing Group Project_Group 5_V6.pptx
+++ b/Computing Group Project_Group 5_V6.pptx
@@ -15,11 +15,9 @@
     <p:sldId id="280" r:id="rId12"/>
     <p:sldId id="275" r:id="rId13"/>
     <p:sldId id="283" r:id="rId14"/>
-    <p:sldId id="284" r:id="rId15"/>
-    <p:sldId id="286" r:id="rId16"/>
-    <p:sldId id="287" r:id="rId17"/>
-    <p:sldId id="276" r:id="rId18"/>
-    <p:sldId id="272" r:id="rId19"/>
+    <p:sldId id="274" r:id="rId15"/>
+    <p:sldId id="276" r:id="rId16"/>
+    <p:sldId id="272" r:id="rId17"/>
   </p:sldIdLst>
   <p:sldSz cx="12192000" cy="6858000"/>
   <p:notesSz cx="6858000" cy="9144000"/>
@@ -1202,7 +1200,7 @@
           <a:lstStyle/>
           <a:p>
             <a:fld id="{FF11F0EC-4F60-4544-9956-271209A740FE}" type="datetimeFigureOut">
-              <a:t>1/6/2026</a:t>
+              <a:t>6/1/2026</a:t>
             </a:fld>
             <a:endParaRPr lang="zh-TW"/>
           </a:p>
@@ -1451,7 +1449,7 @@
           <a:lstStyle/>
           <a:p>
             <a:fld id="{FF11F0EC-4F60-4544-9956-271209A740FE}" type="datetimeFigureOut">
-              <a:t>1/6/2026</a:t>
+              <a:t>6/1/2026</a:t>
             </a:fld>
             <a:endParaRPr lang="zh-TW"/>
           </a:p>
@@ -1700,7 +1698,7 @@
           <a:lstStyle/>
           <a:p>
             <a:fld id="{FF11F0EC-4F60-4544-9956-271209A740FE}" type="datetimeFigureOut">
-              <a:t>1/6/2026</a:t>
+              <a:t>6/1/2026</a:t>
             </a:fld>
             <a:endParaRPr lang="zh-TW"/>
           </a:p>
@@ -2249,7 +2247,7 @@
           <a:lstStyle/>
           <a:p>
             <a:fld id="{FF11F0EC-4F60-4544-9956-271209A740FE}" type="datetimeFigureOut">
-              <a:t>1/6/2026</a:t>
+              <a:t>6/1/2026</a:t>
             </a:fld>
             <a:endParaRPr lang="zh-TW"/>
           </a:p>
@@ -2498,7 +2496,7 @@
           <a:lstStyle/>
           <a:p>
             <a:fld id="{FF11F0EC-4F60-4544-9956-271209A740FE}" type="datetimeFigureOut">
-              <a:t>1/6/2026</a:t>
+              <a:t>6/1/2026</a:t>
             </a:fld>
             <a:endParaRPr lang="zh-TW"/>
           </a:p>
@@ -3047,7 +3045,7 @@
           <a:lstStyle/>
           <a:p>
             <a:fld id="{FF11F0EC-4F60-4544-9956-271209A740FE}" type="datetimeFigureOut">
-              <a:t>1/6/2026</a:t>
+              <a:t>6/1/2026</a:t>
             </a:fld>
             <a:endParaRPr lang="zh-TW"/>
           </a:p>
@@ -3275,7 +3273,7 @@
           <a:lstStyle/>
           <a:p>
             <a:fld id="{FF11F0EC-4F60-4544-9956-271209A740FE}" type="datetimeFigureOut">
-              <a:t>1/6/2026</a:t>
+              <a:t>6/1/2026</a:t>
             </a:fld>
             <a:endParaRPr lang="zh-TW"/>
           </a:p>
@@ -3453,7 +3451,7 @@
           <a:lstStyle/>
           <a:p>
             <a:fld id="{FF11F0EC-4F60-4544-9956-271209A740FE}" type="datetimeFigureOut">
-              <a:t>1/6/2026</a:t>
+              <a:t>6/1/2026</a:t>
             </a:fld>
             <a:endParaRPr lang="zh-TW"/>
           </a:p>
@@ -3627,7 +3625,7 @@
           <a:lstStyle/>
           <a:p>
             <a:fld id="{FF11F0EC-4F60-4544-9956-271209A740FE}" type="datetimeFigureOut">
-              <a:t>1/6/2026</a:t>
+              <a:t>6/1/2026</a:t>
             </a:fld>
             <a:endParaRPr lang="zh-TW"/>
           </a:p>
@@ -3872,7 +3870,7 @@
           <a:lstStyle/>
           <a:p>
             <a:fld id="{FF11F0EC-4F60-4544-9956-271209A740FE}" type="datetimeFigureOut">
-              <a:t>1/6/2026</a:t>
+              <a:t>6/1/2026</a:t>
             </a:fld>
             <a:endParaRPr lang="zh-TW"/>
           </a:p>
@@ -4102,7 +4100,7 @@
           <a:lstStyle/>
           <a:p>
             <a:fld id="{FF11F0EC-4F60-4544-9956-271209A740FE}" type="datetimeFigureOut">
-              <a:t>1/6/2026</a:t>
+              <a:t>6/1/2026</a:t>
             </a:fld>
             <a:endParaRPr lang="zh-TW"/>
           </a:p>
@@ -4474,7 +4472,7 @@
           <a:lstStyle/>
           <a:p>
             <a:fld id="{FF11F0EC-4F60-4544-9956-271209A740FE}" type="datetimeFigureOut">
-              <a:t>1/6/2026</a:t>
+              <a:t>6/1/2026</a:t>
             </a:fld>
             <a:endParaRPr lang="zh-TW"/>
           </a:p>
@@ -4595,7 +4593,7 @@
           <a:lstStyle/>
           <a:p>
             <a:fld id="{FF11F0EC-4F60-4544-9956-271209A740FE}" type="datetimeFigureOut">
-              <a:t>1/6/2026</a:t>
+              <a:t>6/1/2026</a:t>
             </a:fld>
             <a:endParaRPr lang="zh-TW"/>
           </a:p>
@@ -4688,7 +4686,7 @@
           <a:lstStyle/>
           <a:p>
             <a:fld id="{FF11F0EC-4F60-4544-9956-271209A740FE}" type="datetimeFigureOut">
-              <a:t>1/6/2026</a:t>
+              <a:t>6/1/2026</a:t>
             </a:fld>
             <a:endParaRPr lang="zh-TW"/>
           </a:p>
@@ -4941,7 +4939,7 @@
           <a:lstStyle/>
           <a:p>
             <a:fld id="{FF11F0EC-4F60-4544-9956-271209A740FE}" type="datetimeFigureOut">
-              <a:t>1/6/2026</a:t>
+              <a:t>6/1/2026</a:t>
             </a:fld>
             <a:endParaRPr lang="zh-TW"/>
           </a:p>
@@ -5202,7 +5200,7 @@
           <a:lstStyle/>
           <a:p>
             <a:fld id="{FF11F0EC-4F60-4544-9956-271209A740FE}" type="datetimeFigureOut">
-              <a:t>1/6/2026</a:t>
+              <a:t>6/1/2026</a:t>
             </a:fld>
             <a:endParaRPr lang="zh-TW"/>
           </a:p>
@@ -6282,7 +6280,7 @@
           </a:lstStyle>
           <a:p>
             <a:fld id="{FF11F0EC-4F60-4544-9956-271209A740FE}" type="datetimeFigureOut">
-              <a:t>1/6/2026</a:t>
+              <a:t>6/1/2026</a:t>
             </a:fld>
             <a:endParaRPr lang="zh-TW"/>
           </a:p>
@@ -7087,7 +7085,7 @@
         <p:cNvPr id="1" name="">
           <a:extLst>
             <a:ext uri="{FF2B5EF4-FFF2-40B4-BE49-F238E27FC236}">
-              <a16:creationId xmlns:a16="http://schemas.microsoft.com/office/drawing/2014/main" id="{9172FB91-18ED-FD9E-34E3-A3ED8E90EE33}"/>
+              <a16:creationId xmlns:a16="http://schemas.microsoft.com/office/drawing/2014/main" id="{F619793D-BC00-DF09-3AC6-BF6A98A80C79}"/>
             </a:ext>
           </a:extLst>
         </p:cNvPr>
@@ -7107,7 +7105,7 @@
           <p:cNvPr id="96275" name="Title 1">
             <a:extLst>
               <a:ext uri="{FF2B5EF4-FFF2-40B4-BE49-F238E27FC236}">
-                <a16:creationId xmlns:a16="http://schemas.microsoft.com/office/drawing/2014/main" id="{87F45BDD-546E-1419-7BFD-DE1566631590}"/>
+                <a16:creationId xmlns:a16="http://schemas.microsoft.com/office/drawing/2014/main" id="{EAE5265F-A5BF-BE06-9606-AF73E3E8EB83}"/>
               </a:ext>
             </a:extLst>
           </p:cNvPr>
@@ -7141,10 +7139,10 @@
       </p:sp>
       <p:pic>
         <p:nvPicPr>
-          <p:cNvPr id="3" name="Picture 2">
+          <p:cNvPr id="4" name="圖片 3" descr="一張含有 文字, 螢幕擷取畫面, 作業系統 的圖片&#10;&#10;AI 產生的內容可能不正確。">
             <a:extLst>
               <a:ext uri="{FF2B5EF4-FFF2-40B4-BE49-F238E27FC236}">
-                <a16:creationId xmlns:a16="http://schemas.microsoft.com/office/drawing/2014/main" id="{8D53752B-E584-D9B9-E5EA-8623FB1456D4}"/>
+                <a16:creationId xmlns:a16="http://schemas.microsoft.com/office/drawing/2014/main" id="{3BF7E686-50AE-1BDF-CB5D-9601F0E1AF32}"/>
               </a:ext>
             </a:extLst>
           </p:cNvPr>
@@ -7161,137 +7159,19 @@
         </p:blipFill>
         <p:spPr>
           <a:xfrm>
-            <a:off x="677511" y="1270000"/>
-            <a:ext cx="2566410" cy="5367384"/>
-          </a:xfrm>
-          <a:prstGeom prst="rect">
-            <a:avLst/>
-          </a:prstGeom>
-        </p:spPr>
-      </p:pic>
-      <p:sp>
-        <p:nvSpPr>
-          <p:cNvPr id="6" name="TextBox 5">
-            <a:extLst>
-              <a:ext uri="{FF2B5EF4-FFF2-40B4-BE49-F238E27FC236}">
-                <a16:creationId xmlns:a16="http://schemas.microsoft.com/office/drawing/2014/main" id="{A7B35C51-52F1-BA2D-5E6E-977DD56AC995}"/>
-              </a:ext>
-            </a:extLst>
-          </p:cNvPr>
-          <p:cNvSpPr txBox="1"/>
-          <p:nvPr/>
-        </p:nvSpPr>
-        <p:spPr>
-          <a:xfrm>
-            <a:off x="3243921" y="1912359"/>
-            <a:ext cx="6281917" cy="4154984"/>
+            <a:off x="822120" y="1490785"/>
+            <a:ext cx="7036544" cy="4608936"/>
           </a:xfrm>
           <a:prstGeom prst="rect">
             <a:avLst/>
           </a:prstGeom>
           <a:noFill/>
         </p:spPr>
-        <p:txBody>
-          <a:bodyPr wrap="square" rtlCol="0">
-            <a:spAutoFit/>
-          </a:bodyPr>
-          <a:lstStyle/>
-          <a:p>
-            <a:pPr marL="342900" indent="-342900">
-              <a:buFont typeface="Arial" panose="020B0604020202020204" pitchFamily="34" charset="0"/>
-              <a:buChar char="•"/>
-            </a:pPr>
-            <a:r>
-              <a:rPr lang="en-US" sz="2400" dirty="0">
-                <a:solidFill>
-                  <a:srgbClr val="FF0000"/>
-                </a:solidFill>
-              </a:rPr>
-              <a:t>Allows user to upload images or videos of evidence of offline activities</a:t>
-            </a:r>
-          </a:p>
-          <a:p>
-            <a:pPr marL="342900" indent="-342900">
-              <a:buFont typeface="Arial" panose="020B0604020202020204" pitchFamily="34" charset="0"/>
-              <a:buChar char="•"/>
-            </a:pPr>
-            <a:endParaRPr lang="en-US" sz="2400" dirty="0">
-              <a:solidFill>
-                <a:srgbClr val="FF0000"/>
-              </a:solidFill>
-            </a:endParaRPr>
-          </a:p>
-          <a:p>
-            <a:pPr marL="342900" indent="-342900">
-              <a:buFont typeface="Arial" panose="020B0604020202020204" pitchFamily="34" charset="0"/>
-              <a:buChar char="•"/>
-            </a:pPr>
-            <a:endParaRPr lang="en-US" sz="2400" dirty="0">
-              <a:solidFill>
-                <a:srgbClr val="FF0000"/>
-              </a:solidFill>
-            </a:endParaRPr>
-          </a:p>
-          <a:p>
-            <a:pPr marL="342900" indent="-342900">
-              <a:buFont typeface="Arial" panose="020B0604020202020204" pitchFamily="34" charset="0"/>
-              <a:buChar char="•"/>
-            </a:pPr>
-            <a:endParaRPr lang="en-US" sz="2400" dirty="0">
-              <a:solidFill>
-                <a:srgbClr val="FF0000"/>
-              </a:solidFill>
-            </a:endParaRPr>
-          </a:p>
-          <a:p>
-            <a:pPr marL="342900" indent="-342900">
-              <a:buFont typeface="Arial" panose="020B0604020202020204" pitchFamily="34" charset="0"/>
-              <a:buChar char="•"/>
-            </a:pPr>
-            <a:r>
-              <a:rPr lang="en-US" sz="2400" dirty="0">
-                <a:solidFill>
-                  <a:srgbClr val="FF0000"/>
-                </a:solidFill>
-              </a:rPr>
-              <a:t>Allows user to add comments on the session or activity for their personal reflection</a:t>
-            </a:r>
-          </a:p>
-          <a:p>
-            <a:pPr marL="342900" indent="-342900">
-              <a:buFont typeface="Arial" panose="020B0604020202020204" pitchFamily="34" charset="0"/>
-              <a:buChar char="•"/>
-            </a:pPr>
-            <a:endParaRPr lang="en-US" sz="2400" dirty="0">
-              <a:solidFill>
-                <a:srgbClr val="FF0000"/>
-              </a:solidFill>
-            </a:endParaRPr>
-          </a:p>
-          <a:p>
-            <a:endParaRPr lang="en-US" sz="2400" dirty="0">
-              <a:solidFill>
-                <a:srgbClr val="FF0000"/>
-              </a:solidFill>
-            </a:endParaRPr>
-          </a:p>
-          <a:p>
-            <a:pPr marL="342900" indent="-342900">
-              <a:buFont typeface="Arial" panose="020B0604020202020204" pitchFamily="34" charset="0"/>
-              <a:buChar char="•"/>
-            </a:pPr>
-            <a:endParaRPr lang="en-GB" sz="2400" dirty="0">
-              <a:solidFill>
-                <a:srgbClr val="FF0000"/>
-              </a:solidFill>
-            </a:endParaRPr>
-          </a:p>
-        </p:txBody>
-      </p:sp>
+      </p:pic>
     </p:spTree>
     <p:extLst>
       <p:ext uri="{BB962C8B-B14F-4D97-AF65-F5344CB8AC3E}">
-        <p14:creationId xmlns:p14="http://schemas.microsoft.com/office/powerpoint/2010/main" val="618211236"/>
+        <p14:creationId xmlns:p14="http://schemas.microsoft.com/office/powerpoint/2010/main" val="536411696"/>
       </p:ext>
     </p:extLst>
   </p:cSld>
@@ -7302,441 +7182,6 @@
 </file>
 
 <file path=ppt/slides/slide12.xml><?xml version="1.0" encoding="utf-8"?>
-<p:sld xmlns:a="http://schemas.openxmlformats.org/drawingml/2006/main" xmlns:r="http://schemas.openxmlformats.org/officeDocument/2006/relationships" xmlns:p="http://schemas.openxmlformats.org/presentationml/2006/main">
-  <p:cSld>
-    <p:spTree>
-      <p:nvGrpSpPr>
-        <p:cNvPr id="1" name="">
-          <a:extLst>
-            <a:ext uri="{FF2B5EF4-FFF2-40B4-BE49-F238E27FC236}">
-              <a16:creationId xmlns:a16="http://schemas.microsoft.com/office/drawing/2014/main" id="{8C96E4F4-1AB2-A6CB-FC65-D9EB2BF0B0AC}"/>
-            </a:ext>
-          </a:extLst>
-        </p:cNvPr>
-        <p:cNvGrpSpPr/>
-        <p:nvPr/>
-      </p:nvGrpSpPr>
-      <p:grpSpPr>
-        <a:xfrm>
-          <a:off x="0" y="0"/>
-          <a:ext cx="0" cy="0"/>
-          <a:chOff x="0" y="0"/>
-          <a:chExt cx="0" cy="0"/>
-        </a:xfrm>
-      </p:grpSpPr>
-      <p:sp>
-        <p:nvSpPr>
-          <p:cNvPr id="96275" name="Title 1">
-            <a:extLst>
-              <a:ext uri="{FF2B5EF4-FFF2-40B4-BE49-F238E27FC236}">
-                <a16:creationId xmlns:a16="http://schemas.microsoft.com/office/drawing/2014/main" id="{1C6EA575-C7F4-04B0-F226-4A5E05A95A40}"/>
-              </a:ext>
-            </a:extLst>
-          </p:cNvPr>
-          <p:cNvSpPr>
-            <a:spLocks noGrp="1"/>
-          </p:cNvSpPr>
-          <p:nvPr>
-            <p:ph type="title"/>
-          </p:nvPr>
-        </p:nvSpPr>
-        <p:spPr>
-          <a:xfrm>
-            <a:off x="677511" y="609600"/>
-            <a:ext cx="8598907" cy="1320800"/>
-          </a:xfrm>
-        </p:spPr>
-        <p:txBody>
-          <a:bodyPr/>
-          <a:lstStyle/>
-          <a:p>
-            <a:r>
-              <a:rPr lang="en-US" b="1" dirty="0">
-                <a:solidFill>
-                  <a:schemeClr val="accent2"/>
-                </a:solidFill>
-              </a:rPr>
-              <a:t>Session logging</a:t>
-            </a:r>
-          </a:p>
-        </p:txBody>
-      </p:sp>
-      <p:sp>
-        <p:nvSpPr>
-          <p:cNvPr id="6" name="TextBox 5">
-            <a:extLst>
-              <a:ext uri="{FF2B5EF4-FFF2-40B4-BE49-F238E27FC236}">
-                <a16:creationId xmlns:a16="http://schemas.microsoft.com/office/drawing/2014/main" id="{2732AE25-1DB7-D7CD-4D65-6278FEFE9D5D}"/>
-              </a:ext>
-            </a:extLst>
-          </p:cNvPr>
-          <p:cNvSpPr txBox="1"/>
-          <p:nvPr/>
-        </p:nvSpPr>
-        <p:spPr>
-          <a:xfrm>
-            <a:off x="3243921" y="1912359"/>
-            <a:ext cx="6281917" cy="4893647"/>
-          </a:xfrm>
-          <a:prstGeom prst="rect">
-            <a:avLst/>
-          </a:prstGeom>
-          <a:noFill/>
-        </p:spPr>
-        <p:txBody>
-          <a:bodyPr wrap="square" rtlCol="0">
-            <a:spAutoFit/>
-          </a:bodyPr>
-          <a:lstStyle/>
-          <a:p>
-            <a:r>
-              <a:rPr lang="en-US" sz="2400" dirty="0">
-                <a:solidFill>
-                  <a:srgbClr val="00B0F0"/>
-                </a:solidFill>
-              </a:rPr>
-              <a:t>example</a:t>
-            </a:r>
-          </a:p>
-          <a:p>
-            <a:pPr marL="342900" indent="-342900">
-              <a:buFont typeface="Arial" panose="020B0604020202020204" pitchFamily="34" charset="0"/>
-              <a:buChar char="•"/>
-            </a:pPr>
-            <a:endParaRPr lang="en-US" sz="2400" dirty="0">
-              <a:solidFill>
-                <a:srgbClr val="FF0000"/>
-              </a:solidFill>
-            </a:endParaRPr>
-          </a:p>
-          <a:p>
-            <a:pPr marL="342900" indent="-342900">
-              <a:buFont typeface="Arial" panose="020B0604020202020204" pitchFamily="34" charset="0"/>
-              <a:buChar char="•"/>
-            </a:pPr>
-            <a:endParaRPr lang="en-US" sz="2400" dirty="0">
-              <a:solidFill>
-                <a:srgbClr val="FF0000"/>
-              </a:solidFill>
-            </a:endParaRPr>
-          </a:p>
-          <a:p>
-            <a:pPr marL="342900" indent="-342900">
-              <a:buFont typeface="Arial" panose="020B0604020202020204" pitchFamily="34" charset="0"/>
-              <a:buChar char="•"/>
-            </a:pPr>
-            <a:r>
-              <a:rPr lang="en-US" sz="2400" dirty="0">
-                <a:solidFill>
-                  <a:srgbClr val="FF0000"/>
-                </a:solidFill>
-              </a:rPr>
-              <a:t>Allow counselors, family/support group to see the details of each session and activity</a:t>
-            </a:r>
-          </a:p>
-          <a:p>
-            <a:pPr marL="342900" indent="-342900">
-              <a:buFont typeface="Arial" panose="020B0604020202020204" pitchFamily="34" charset="0"/>
-              <a:buChar char="•"/>
-            </a:pPr>
-            <a:endParaRPr lang="en-US" sz="2400" dirty="0">
-              <a:solidFill>
-                <a:srgbClr val="FF0000"/>
-              </a:solidFill>
-            </a:endParaRPr>
-          </a:p>
-          <a:p>
-            <a:pPr marL="342900" indent="-342900">
-              <a:buFont typeface="Arial" panose="020B0604020202020204" pitchFamily="34" charset="0"/>
-              <a:buChar char="•"/>
-            </a:pPr>
-            <a:r>
-              <a:rPr lang="en-US" sz="2400" dirty="0">
-                <a:solidFill>
-                  <a:srgbClr val="FF0000"/>
-                </a:solidFill>
-              </a:rPr>
-              <a:t>User can review each session and reflect on the activity</a:t>
-            </a:r>
-          </a:p>
-          <a:p>
-            <a:pPr marL="342900" indent="-342900">
-              <a:buFont typeface="Arial" panose="020B0604020202020204" pitchFamily="34" charset="0"/>
-              <a:buChar char="•"/>
-            </a:pPr>
-            <a:endParaRPr lang="en-US" sz="2400" dirty="0">
-              <a:solidFill>
-                <a:srgbClr val="FF0000"/>
-              </a:solidFill>
-            </a:endParaRPr>
-          </a:p>
-          <a:p>
-            <a:pPr marL="342900" indent="-342900">
-              <a:buFont typeface="Arial" panose="020B0604020202020204" pitchFamily="34" charset="0"/>
-              <a:buChar char="•"/>
-            </a:pPr>
-            <a:r>
-              <a:rPr lang="en-US" sz="2400" dirty="0">
-                <a:solidFill>
-                  <a:srgbClr val="FF0000"/>
-                </a:solidFill>
-              </a:rPr>
-              <a:t>User can also update the image or edit the comments if they wish</a:t>
-            </a:r>
-          </a:p>
-          <a:p>
-            <a:endParaRPr lang="en-US" sz="2400" dirty="0">
-              <a:solidFill>
-                <a:srgbClr val="FF0000"/>
-              </a:solidFill>
-            </a:endParaRPr>
-          </a:p>
-        </p:txBody>
-      </p:sp>
-      <p:pic>
-        <p:nvPicPr>
-          <p:cNvPr id="4" name="Picture 3">
-            <a:extLst>
-              <a:ext uri="{FF2B5EF4-FFF2-40B4-BE49-F238E27FC236}">
-                <a16:creationId xmlns:a16="http://schemas.microsoft.com/office/drawing/2014/main" id="{99C2D8E1-845D-9E62-B57A-FE4480C5C133}"/>
-              </a:ext>
-            </a:extLst>
-          </p:cNvPr>
-          <p:cNvPicPr>
-            <a:picLocks noChangeAspect="1"/>
-          </p:cNvPicPr>
-          <p:nvPr/>
-        </p:nvPicPr>
-        <p:blipFill>
-          <a:blip r:embed="rId2"/>
-          <a:stretch>
-            <a:fillRect/>
-          </a:stretch>
-        </p:blipFill>
-        <p:spPr>
-          <a:xfrm>
-            <a:off x="677511" y="1270000"/>
-            <a:ext cx="2566410" cy="5267896"/>
-          </a:xfrm>
-          <a:prstGeom prst="rect">
-            <a:avLst/>
-          </a:prstGeom>
-        </p:spPr>
-      </p:pic>
-    </p:spTree>
-    <p:extLst>
-      <p:ext uri="{BB962C8B-B14F-4D97-AF65-F5344CB8AC3E}">
-        <p14:creationId xmlns:p14="http://schemas.microsoft.com/office/powerpoint/2010/main" val="1588965675"/>
-      </p:ext>
-    </p:extLst>
-  </p:cSld>
-  <p:clrMapOvr>
-    <a:masterClrMapping/>
-  </p:clrMapOvr>
-</p:sld>
-</file>
-
-<file path=ppt/slides/slide13.xml><?xml version="1.0" encoding="utf-8"?>
-<p:sld xmlns:a="http://schemas.openxmlformats.org/drawingml/2006/main" xmlns:r="http://schemas.openxmlformats.org/officeDocument/2006/relationships" xmlns:p="http://schemas.openxmlformats.org/presentationml/2006/main">
-  <p:cSld>
-    <p:spTree>
-      <p:nvGrpSpPr>
-        <p:cNvPr id="1" name="">
-          <a:extLst>
-            <a:ext uri="{FF2B5EF4-FFF2-40B4-BE49-F238E27FC236}">
-              <a16:creationId xmlns:a16="http://schemas.microsoft.com/office/drawing/2014/main" id="{A13E8EA7-786C-7698-E9C9-C12CC1EEDACC}"/>
-            </a:ext>
-          </a:extLst>
-        </p:cNvPr>
-        <p:cNvGrpSpPr/>
-        <p:nvPr/>
-      </p:nvGrpSpPr>
-      <p:grpSpPr>
-        <a:xfrm>
-          <a:off x="0" y="0"/>
-          <a:ext cx="0" cy="0"/>
-          <a:chOff x="0" y="0"/>
-          <a:chExt cx="0" cy="0"/>
-        </a:xfrm>
-      </p:grpSpPr>
-      <p:sp>
-        <p:nvSpPr>
-          <p:cNvPr id="96275" name="Title 1">
-            <a:extLst>
-              <a:ext uri="{FF2B5EF4-FFF2-40B4-BE49-F238E27FC236}">
-                <a16:creationId xmlns:a16="http://schemas.microsoft.com/office/drawing/2014/main" id="{1EAD671F-26F0-F940-2F67-CEF2B32EB7C9}"/>
-              </a:ext>
-            </a:extLst>
-          </p:cNvPr>
-          <p:cNvSpPr>
-            <a:spLocks noGrp="1"/>
-          </p:cNvSpPr>
-          <p:nvPr>
-            <p:ph type="title"/>
-          </p:nvPr>
-        </p:nvSpPr>
-        <p:spPr>
-          <a:xfrm>
-            <a:off x="677511" y="609600"/>
-            <a:ext cx="8598907" cy="1320800"/>
-          </a:xfrm>
-        </p:spPr>
-        <p:txBody>
-          <a:bodyPr/>
-          <a:lstStyle/>
-          <a:p>
-            <a:r>
-              <a:rPr lang="en-US" b="1" dirty="0">
-                <a:solidFill>
-                  <a:schemeClr val="accent2"/>
-                </a:solidFill>
-              </a:rPr>
-              <a:t>Mood logging</a:t>
-            </a:r>
-          </a:p>
-        </p:txBody>
-      </p:sp>
-      <p:sp>
-        <p:nvSpPr>
-          <p:cNvPr id="6" name="TextBox 5">
-            <a:extLst>
-              <a:ext uri="{FF2B5EF4-FFF2-40B4-BE49-F238E27FC236}">
-                <a16:creationId xmlns:a16="http://schemas.microsoft.com/office/drawing/2014/main" id="{9296CF13-1AA8-CF85-E315-8084294110B4}"/>
-              </a:ext>
-            </a:extLst>
-          </p:cNvPr>
-          <p:cNvSpPr txBox="1"/>
-          <p:nvPr/>
-        </p:nvSpPr>
-        <p:spPr>
-          <a:xfrm>
-            <a:off x="3243921" y="1912359"/>
-            <a:ext cx="6281917" cy="3416320"/>
-          </a:xfrm>
-          <a:prstGeom prst="rect">
-            <a:avLst/>
-          </a:prstGeom>
-          <a:noFill/>
-        </p:spPr>
-        <p:txBody>
-          <a:bodyPr wrap="square" rtlCol="0">
-            <a:spAutoFit/>
-          </a:bodyPr>
-          <a:lstStyle/>
-          <a:p>
-            <a:pPr marL="342900" indent="-342900">
-              <a:buFont typeface="Arial" panose="020B0604020202020204" pitchFamily="34" charset="0"/>
-              <a:buChar char="•"/>
-            </a:pPr>
-            <a:r>
-              <a:rPr lang="en-US" sz="2400" dirty="0">
-                <a:solidFill>
-                  <a:srgbClr val="FF0000"/>
-                </a:solidFill>
-              </a:rPr>
-              <a:t>Emoji slider is used to maintain ease of use</a:t>
-            </a:r>
-          </a:p>
-          <a:p>
-            <a:pPr marL="342900" indent="-342900">
-              <a:buFont typeface="Arial" panose="020B0604020202020204" pitchFamily="34" charset="0"/>
-              <a:buChar char="•"/>
-            </a:pPr>
-            <a:endParaRPr lang="en-US" sz="2400" dirty="0">
-              <a:solidFill>
-                <a:srgbClr val="FF0000"/>
-              </a:solidFill>
-            </a:endParaRPr>
-          </a:p>
-          <a:p>
-            <a:pPr marL="342900" indent="-342900">
-              <a:buFont typeface="Arial" panose="020B0604020202020204" pitchFamily="34" charset="0"/>
-              <a:buChar char="•"/>
-            </a:pPr>
-            <a:endParaRPr lang="en-US" sz="2400" dirty="0">
-              <a:solidFill>
-                <a:srgbClr val="FF0000"/>
-              </a:solidFill>
-            </a:endParaRPr>
-          </a:p>
-          <a:p>
-            <a:pPr marL="342900" indent="-342900">
-              <a:buFont typeface="Arial" panose="020B0604020202020204" pitchFamily="34" charset="0"/>
-              <a:buChar char="•"/>
-            </a:pPr>
-            <a:r>
-              <a:rPr lang="en-US" sz="2400" dirty="0">
-                <a:solidFill>
-                  <a:srgbClr val="FF0000"/>
-                </a:solidFill>
-              </a:rPr>
-              <a:t>User can either click on the corresponding emoji or drag on the slide to log their mood</a:t>
-            </a:r>
-          </a:p>
-          <a:p>
-            <a:endParaRPr lang="en-US" sz="2400" dirty="0">
-              <a:solidFill>
-                <a:srgbClr val="FF0000"/>
-              </a:solidFill>
-            </a:endParaRPr>
-          </a:p>
-          <a:p>
-            <a:pPr marL="342900" indent="-342900">
-              <a:buFont typeface="Arial" panose="020B0604020202020204" pitchFamily="34" charset="0"/>
-              <a:buChar char="•"/>
-            </a:pPr>
-            <a:endParaRPr lang="en-GB" sz="2400" dirty="0">
-              <a:solidFill>
-                <a:srgbClr val="FF0000"/>
-              </a:solidFill>
-            </a:endParaRPr>
-          </a:p>
-        </p:txBody>
-      </p:sp>
-      <p:pic>
-        <p:nvPicPr>
-          <p:cNvPr id="3" name="Picture 2">
-            <a:extLst>
-              <a:ext uri="{FF2B5EF4-FFF2-40B4-BE49-F238E27FC236}">
-                <a16:creationId xmlns:a16="http://schemas.microsoft.com/office/drawing/2014/main" id="{1AAC4F04-C6DC-D606-0C9B-7FAC3FD18C4F}"/>
-              </a:ext>
-            </a:extLst>
-          </p:cNvPr>
-          <p:cNvPicPr>
-            <a:picLocks noChangeAspect="1"/>
-          </p:cNvPicPr>
-          <p:nvPr/>
-        </p:nvPicPr>
-        <p:blipFill>
-          <a:blip r:embed="rId2"/>
-          <a:stretch>
-            <a:fillRect/>
-          </a:stretch>
-        </p:blipFill>
-        <p:spPr>
-          <a:xfrm>
-            <a:off x="642839" y="1256233"/>
-            <a:ext cx="2351662" cy="4906710"/>
-          </a:xfrm>
-          <a:prstGeom prst="rect">
-            <a:avLst/>
-          </a:prstGeom>
-        </p:spPr>
-      </p:pic>
-    </p:spTree>
-    <p:extLst>
-      <p:ext uri="{BB962C8B-B14F-4D97-AF65-F5344CB8AC3E}">
-        <p14:creationId xmlns:p14="http://schemas.microsoft.com/office/powerpoint/2010/main" val="1084847539"/>
-      </p:ext>
-    </p:extLst>
-  </p:cSld>
-  <p:clrMapOvr>
-    <a:masterClrMapping/>
-  </p:clrMapOvr>
-</p:sld>
-</file>
-
-<file path=ppt/slides/slide14.xml><?xml version="1.0" encoding="utf-8"?>
 <p:sld xmlns:a="http://schemas.openxmlformats.org/drawingml/2006/main" xmlns:r="http://schemas.openxmlformats.org/officeDocument/2006/relationships" xmlns:p="http://schemas.openxmlformats.org/presentationml/2006/main">
   <p:cSld>
     <p:spTree>
@@ -7922,7 +7367,7 @@
 </p:sld>
 </file>
 
-<file path=ppt/slides/slide15.xml><?xml version="1.0" encoding="utf-8"?>
+<file path=ppt/slides/slide13.xml><?xml version="1.0" encoding="utf-8"?>
 <p:sld xmlns:a="http://schemas.openxmlformats.org/drawingml/2006/main" xmlns:r="http://schemas.openxmlformats.org/officeDocument/2006/relationships" xmlns:p="http://schemas.openxmlformats.org/presentationml/2006/main">
   <p:cSld>
     <p:spTree>
@@ -8069,7 +7514,7 @@
         </p:nvSpPr>
         <p:spPr>
           <a:xfrm>
-            <a:off x="677511" y="609600"/>
+            <a:off x="1005315" y="269241"/>
             <a:ext cx="8598907" cy="1320800"/>
           </a:xfrm>
         </p:spPr>
@@ -8079,19 +7524,35 @@
           </a:bodyPr>
           <a:lstStyle/>
           <a:p>
-            <a:r>
-              <a:rPr lang="pt-BR" altLang="zh-TW" b="1"/>
+            <a:pPr algn="ctr"/>
+            <a:r>
+              <a:rPr lang="pt-BR" altLang="zh-TW" b="1" dirty="0">
+                <a:solidFill>
+                  <a:schemeClr val="accent2"/>
+                </a:solidFill>
+              </a:rPr>
               <a:t> Project Planning </a:t>
             </a:r>
             <a:r>
-              <a:rPr lang="pt-BR" altLang="zh-TW" b="1" err="1"/>
+              <a:rPr lang="pt-BR" altLang="zh-TW" b="1" dirty="0" err="1">
+                <a:solidFill>
+                  <a:schemeClr val="accent2"/>
+                </a:solidFill>
+              </a:rPr>
               <a:t>Process</a:t>
             </a:r>
             <a:r>
-              <a:rPr lang="pt-BR" altLang="zh-TW" b="1"/>
+              <a:rPr lang="pt-BR" altLang="zh-TW" b="1" dirty="0">
+                <a:solidFill>
+                  <a:schemeClr val="accent2"/>
+                </a:solidFill>
+              </a:rPr>
               <a:t> </a:t>
             </a:r>
-            <a:endParaRPr lang="zh-TW" b="1">
+            <a:endParaRPr lang="zh-TW" b="1" dirty="0">
+              <a:solidFill>
+                <a:schemeClr val="accent2"/>
+              </a:solidFill>
               <a:highlight>
                 <a:srgbClr val="FFFF00"/>
               </a:highlight>
@@ -8159,7 +7620,7 @@
         </p:blipFill>
         <p:spPr>
           <a:xfrm>
-            <a:off x="1357313" y="1270000"/>
+            <a:off x="2185930" y="1106098"/>
             <a:ext cx="6410204" cy="5318759"/>
           </a:xfrm>
           <a:prstGeom prst="rect">
@@ -8209,8 +7670,8 @@
         </p:nvSpPr>
         <p:spPr>
           <a:xfrm>
-            <a:off x="677511" y="609600"/>
-            <a:ext cx="8598907" cy="770626"/>
+            <a:off x="1411231" y="181012"/>
+            <a:ext cx="8598907" cy="1320800"/>
           </a:xfrm>
         </p:spPr>
         <p:txBody>
@@ -8219,6 +7680,7 @@
           </a:bodyPr>
           <a:lstStyle/>
           <a:p>
+            <a:pPr algn="ctr"/>
             <a:r>
               <a:rPr lang="en-US" altLang="zh-TW" b="1" dirty="0">
                 <a:solidFill>
@@ -8235,12 +7697,97 @@
           </a:p>
         </p:txBody>
       </p:sp>
+      <p:sp>
+        <p:nvSpPr>
+          <p:cNvPr id="3" name="內容版面配置區 2">
+            <a:extLst>
+              <a:ext uri="{FF2B5EF4-FFF2-40B4-BE49-F238E27FC236}">
+                <a16:creationId xmlns:a16="http://schemas.microsoft.com/office/drawing/2014/main" id="{B14A2ABF-C76B-2E8E-49FE-3DB494CEAE7A}"/>
+              </a:ext>
+            </a:extLst>
+          </p:cNvPr>
+          <p:cNvSpPr>
+            <a:spLocks noGrp="1"/>
+          </p:cNvSpPr>
+          <p:nvPr>
+            <p:ph sz="half" idx="2"/>
+          </p:nvPr>
+        </p:nvSpPr>
+        <p:spPr>
+          <a:xfrm>
+            <a:off x="5055078" y="1628476"/>
+            <a:ext cx="4185124" cy="3880773"/>
+          </a:xfrm>
+        </p:spPr>
+        <p:txBody>
+          <a:bodyPr/>
+          <a:lstStyle/>
+          <a:p>
+            <a:r>
+              <a:rPr lang="en-US" altLang="zh-HK" b="1" dirty="0"/>
+              <a:t>Interface</a:t>
+            </a:r>
+          </a:p>
+          <a:p>
+            <a:pPr marL="0" indent="0">
+              <a:buNone/>
+            </a:pPr>
+            <a:r>
+              <a:rPr lang="en-US" altLang="zh-HK" dirty="0"/>
+              <a:t>	Light colors (beige and green) 	for a calm and  clear.</a:t>
+            </a:r>
+          </a:p>
+          <a:p>
+            <a:r>
+              <a:rPr lang="en-US" altLang="zh-HK" b="1" dirty="0"/>
+              <a:t>Easy Sign-up &amp; Login</a:t>
+            </a:r>
+          </a:p>
+          <a:p>
+            <a:pPr marL="0" indent="0">
+              <a:buNone/>
+            </a:pPr>
+            <a:r>
+              <a:rPr lang="en-US" altLang="zh-HK" dirty="0"/>
+              <a:t>	The familiar design makes it 	user-friendly.</a:t>
+            </a:r>
+          </a:p>
+          <a:p>
+            <a:r>
+              <a:rPr lang="en-US" altLang="zh-HK" b="1" dirty="0"/>
+              <a:t>Security</a:t>
+            </a:r>
+          </a:p>
+          <a:p>
+            <a:pPr marL="0" indent="0">
+              <a:buNone/>
+            </a:pPr>
+            <a:r>
+              <a:rPr lang="en-US" altLang="zh-HK" dirty="0"/>
+              <a:t>	Using a trusted provider like 	Google makes users feel secure 	about their data.</a:t>
+            </a:r>
+            <a:endParaRPr lang="zh-TW" altLang="zh-HK" dirty="0"/>
+          </a:p>
+          <a:p>
+            <a:pPr marL="0" indent="0">
+              <a:buNone/>
+            </a:pPr>
+            <a:endParaRPr lang="en-US" altLang="zh-HK" dirty="0"/>
+          </a:p>
+          <a:p>
+            <a:pPr marL="0" indent="0">
+              <a:buNone/>
+            </a:pPr>
+            <a:endParaRPr lang="zh-HK" altLang="en-US" dirty="0"/>
+          </a:p>
+        </p:txBody>
+      </p:sp>
       <p:pic>
         <p:nvPicPr>
-          <p:cNvPr id="6" name="內容版面配置區 5" descr="一張含有 文字, 螢幕擷取畫面, 圖表, 設計 的圖片&#10;&#10;AI 產生的內容可能不正確。">
+          <p:cNvPr id="9" name="內容版面配置區 8" descr="一張含有 文字, 螢幕擷取畫面, 設計 的圖片&#10;&#10;AI 產生的內容可能不正確。">
             <a:extLst>
               <a:ext uri="{FF2B5EF4-FFF2-40B4-BE49-F238E27FC236}">
-                <a16:creationId xmlns:a16="http://schemas.microsoft.com/office/drawing/2014/main" id="{1B82C2B8-8458-60C8-DA1B-0C8209DD9C8A}"/>
+                <a16:creationId xmlns:a16="http://schemas.microsoft.com/office/drawing/2014/main" id="{8E12729C-6BBD-8922-A4D9-69B94D645534}"/>
               </a:ext>
             </a:extLst>
           </p:cNvPr>
@@ -8248,7 +7795,7 @@
             <a:picLocks noGrp="1" noChangeAspect="1"/>
           </p:cNvPicPr>
           <p:nvPr>
-            <p:ph idx="1"/>
+            <p:ph sz="half" idx="1"/>
           </p:nvPr>
         </p:nvPicPr>
         <p:blipFill>
@@ -8259,13 +7806,12 @@
         </p:blipFill>
         <p:spPr>
           <a:xfrm>
-            <a:off x="866001" y="1602596"/>
-            <a:ext cx="8221926" cy="4110963"/>
+            <a:off x="1652771" y="968076"/>
+            <a:ext cx="2901976" cy="5708912"/>
           </a:xfrm>
           <a:prstGeom prst="rect">
             <a:avLst/>
           </a:prstGeom>
-          <a:noFill/>
         </p:spPr>
       </p:pic>
     </p:spTree>
